--- a/Exam project_SDS.pptx
+++ b/Exam project_SDS.pptx
@@ -3547,7 +3547,7 @@
           <a:bodyPr/>
           <a:lstStyle/>
           <a:p>
-            <a:endParaRPr lang="da-DK"/>
+            <a:endParaRPr lang="da-DK" dirty="0"/>
           </a:p>
         </p:txBody>
       </p:sp>
@@ -3603,7 +3603,10 @@
           <a:lstStyle/>
           <a:p>
             <a:r>
-              <a:rPr lang="da-DK" dirty="0"/>
+              <a:rPr lang="da-DK" dirty="0">
+                <a:latin typeface="Cambria" panose="02040503050406030204" pitchFamily="18" charset="0"/>
+                <a:ea typeface="Cambria" panose="02040503050406030204" pitchFamily="18" charset="0"/>
+              </a:rPr>
               <a:t>Content </a:t>
             </a:r>
           </a:p>
@@ -3633,6 +3636,58 @@
             <a:r>
               <a:rPr lang="da-DK" dirty="0"/>
               <a:t>Page 1 </a:t>
+            </a:r>
+          </a:p>
+          <a:p>
+            <a:r>
+              <a:rPr lang="da-DK" dirty="0"/>
+              <a:t>Stephan </a:t>
+            </a:r>
+            <a:r>
+              <a:rPr lang="da-DK" dirty="0" err="1"/>
+              <a:t>doing</a:t>
+            </a:r>
+            <a:r>
+              <a:rPr lang="da-DK" dirty="0"/>
+              <a:t> </a:t>
+            </a:r>
+            <a:r>
+              <a:rPr lang="da-DK" dirty="0" err="1"/>
+              <a:t>crawling</a:t>
+            </a:r>
+            <a:r>
+              <a:rPr lang="da-DK" dirty="0"/>
+              <a:t> </a:t>
+            </a:r>
+          </a:p>
+          <a:p>
+            <a:r>
+              <a:rPr lang="da-DK" dirty="0"/>
+              <a:t>Ester + Sara </a:t>
+            </a:r>
+            <a:r>
+              <a:rPr lang="da-DK" dirty="0" err="1"/>
+              <a:t>will</a:t>
+            </a:r>
+            <a:r>
+              <a:rPr lang="da-DK" dirty="0"/>
+              <a:t> </a:t>
+            </a:r>
+            <a:r>
+              <a:rPr lang="da-DK" dirty="0" err="1"/>
+              <a:t>read</a:t>
+            </a:r>
+            <a:r>
+              <a:rPr lang="da-DK" dirty="0"/>
+              <a:t> up on </a:t>
+            </a:r>
+            <a:r>
+              <a:rPr lang="da-DK" dirty="0" err="1"/>
+              <a:t>method</a:t>
+            </a:r>
+            <a:r>
+              <a:rPr lang="da-DK" dirty="0"/>
+              <a:t> </a:t>
             </a:r>
           </a:p>
         </p:txBody>
@@ -3722,7 +3777,24 @@
           <a:p>
             <a:r>
               <a:rPr lang="da-DK" dirty="0"/>
-              <a:t>Page 2 </a:t>
+              <a:t>Page 2</a:t>
+            </a:r>
+          </a:p>
+          <a:p>
+            <a:endParaRPr lang="da-DK" dirty="0"/>
+          </a:p>
+          <a:p>
+            <a:r>
+              <a:rPr lang="da-DK" dirty="0"/>
+              <a:t>Write </a:t>
+            </a:r>
+            <a:r>
+              <a:rPr lang="da-DK" dirty="0" err="1"/>
+              <a:t>Wednesday</a:t>
+            </a:r>
+            <a:r>
+              <a:rPr lang="da-DK" dirty="0"/>
+              <a:t>  </a:t>
             </a:r>
           </a:p>
         </p:txBody>
@@ -3815,6 +3887,15 @@
               <a:t>Page 3-5 </a:t>
             </a:r>
           </a:p>
+          <a:p>
+            <a:endParaRPr lang="da-DK" dirty="0"/>
+          </a:p>
+          <a:p>
+            <a:r>
+              <a:rPr lang="da-DK" dirty="0"/>
+              <a:t>Ester + Sara </a:t>
+            </a:r>
+          </a:p>
         </p:txBody>
       </p:sp>
     </p:spTree>
@@ -4259,6 +4340,23 @@
             <a:r>
               <a:rPr lang="da-DK" dirty="0"/>
               <a:t>Page 14</a:t>
+            </a:r>
+          </a:p>
+          <a:p>
+            <a:endParaRPr lang="da-DK" dirty="0"/>
+          </a:p>
+          <a:p>
+            <a:r>
+              <a:rPr lang="da-DK" dirty="0"/>
+              <a:t>Write </a:t>
+            </a:r>
+            <a:r>
+              <a:rPr lang="da-DK" dirty="0" err="1"/>
+              <a:t>Thursday</a:t>
+            </a:r>
+            <a:r>
+              <a:rPr lang="da-DK" dirty="0"/>
+              <a:t> </a:t>
             </a:r>
           </a:p>
         </p:txBody>

--- a/Exam project_SDS.pptx
+++ b/Exam project_SDS.pptx
@@ -268,7 +268,7 @@
           <a:p>
             <a:fld id="{1B413C8B-0CAC-4EBF-9AE0-38B889995B65}" type="datetimeFigureOut">
               <a:rPr lang="da-DK" smtClean="0"/>
-              <a:t>23-08-2019</a:t>
+              <a:t>24-08-2019</a:t>
             </a:fld>
             <a:endParaRPr lang="da-DK"/>
           </a:p>
@@ -466,7 +466,7 @@
           <a:p>
             <a:fld id="{1B413C8B-0CAC-4EBF-9AE0-38B889995B65}" type="datetimeFigureOut">
               <a:rPr lang="da-DK" smtClean="0"/>
-              <a:t>23-08-2019</a:t>
+              <a:t>24-08-2019</a:t>
             </a:fld>
             <a:endParaRPr lang="da-DK"/>
           </a:p>
@@ -674,7 +674,7 @@
           <a:p>
             <a:fld id="{1B413C8B-0CAC-4EBF-9AE0-38B889995B65}" type="datetimeFigureOut">
               <a:rPr lang="da-DK" smtClean="0"/>
-              <a:t>23-08-2019</a:t>
+              <a:t>24-08-2019</a:t>
             </a:fld>
             <a:endParaRPr lang="da-DK"/>
           </a:p>
@@ -872,7 +872,7 @@
           <a:p>
             <a:fld id="{1B413C8B-0CAC-4EBF-9AE0-38B889995B65}" type="datetimeFigureOut">
               <a:rPr lang="da-DK" smtClean="0"/>
-              <a:t>23-08-2019</a:t>
+              <a:t>24-08-2019</a:t>
             </a:fld>
             <a:endParaRPr lang="da-DK"/>
           </a:p>
@@ -1147,7 +1147,7 @@
           <a:p>
             <a:fld id="{1B413C8B-0CAC-4EBF-9AE0-38B889995B65}" type="datetimeFigureOut">
               <a:rPr lang="da-DK" smtClean="0"/>
-              <a:t>23-08-2019</a:t>
+              <a:t>24-08-2019</a:t>
             </a:fld>
             <a:endParaRPr lang="da-DK"/>
           </a:p>
@@ -1412,7 +1412,7 @@
           <a:p>
             <a:fld id="{1B413C8B-0CAC-4EBF-9AE0-38B889995B65}" type="datetimeFigureOut">
               <a:rPr lang="da-DK" smtClean="0"/>
-              <a:t>23-08-2019</a:t>
+              <a:t>24-08-2019</a:t>
             </a:fld>
             <a:endParaRPr lang="da-DK"/>
           </a:p>
@@ -1824,7 +1824,7 @@
           <a:p>
             <a:fld id="{1B413C8B-0CAC-4EBF-9AE0-38B889995B65}" type="datetimeFigureOut">
               <a:rPr lang="da-DK" smtClean="0"/>
-              <a:t>23-08-2019</a:t>
+              <a:t>24-08-2019</a:t>
             </a:fld>
             <a:endParaRPr lang="da-DK"/>
           </a:p>
@@ -1965,7 +1965,7 @@
           <a:p>
             <a:fld id="{1B413C8B-0CAC-4EBF-9AE0-38B889995B65}" type="datetimeFigureOut">
               <a:rPr lang="da-DK" smtClean="0"/>
-              <a:t>23-08-2019</a:t>
+              <a:t>24-08-2019</a:t>
             </a:fld>
             <a:endParaRPr lang="da-DK"/>
           </a:p>
@@ -2078,7 +2078,7 @@
           <a:p>
             <a:fld id="{1B413C8B-0CAC-4EBF-9AE0-38B889995B65}" type="datetimeFigureOut">
               <a:rPr lang="da-DK" smtClean="0"/>
-              <a:t>23-08-2019</a:t>
+              <a:t>24-08-2019</a:t>
             </a:fld>
             <a:endParaRPr lang="da-DK"/>
           </a:p>
@@ -2389,7 +2389,7 @@
           <a:p>
             <a:fld id="{1B413C8B-0CAC-4EBF-9AE0-38B889995B65}" type="datetimeFigureOut">
               <a:rPr lang="da-DK" smtClean="0"/>
-              <a:t>23-08-2019</a:t>
+              <a:t>24-08-2019</a:t>
             </a:fld>
             <a:endParaRPr lang="da-DK"/>
           </a:p>
@@ -2677,7 +2677,7 @@
           <a:p>
             <a:fld id="{1B413C8B-0CAC-4EBF-9AE0-38B889995B65}" type="datetimeFigureOut">
               <a:rPr lang="da-DK" smtClean="0"/>
-              <a:t>23-08-2019</a:t>
+              <a:t>24-08-2019</a:t>
             </a:fld>
             <a:endParaRPr lang="da-DK"/>
           </a:p>
@@ -2918,7 +2918,7 @@
           <a:p>
             <a:fld id="{1B413C8B-0CAC-4EBF-9AE0-38B889995B65}" type="datetimeFigureOut">
               <a:rPr lang="da-DK" smtClean="0"/>
-              <a:t>23-08-2019</a:t>
+              <a:t>24-08-2019</a:t>
             </a:fld>
             <a:endParaRPr lang="da-DK"/>
           </a:p>
@@ -3463,7 +3463,7 @@
                 <a:latin typeface="Cambria" panose="02040503050406030204" pitchFamily="18" charset="0"/>
                 <a:ea typeface="Cambria" panose="02040503050406030204" pitchFamily="18" charset="0"/>
               </a:rPr>
-              <a:t>Is it possible to predict if a speech is presented by a democrat or a republican by considering different features of the speech? </a:t>
+              <a:t>Is it possible to predict if a sentenced is presented by a democrat or a republican by considering different features of the sentence? </a:t>
             </a:r>
           </a:p>
         </p:txBody>
